--- a/Project Overview & System Design.pptx
+++ b/Project Overview & System Design.pptx
@@ -284,7 +284,7 @@
           <a:p>
             <a:fld id="{09EB773D-11FC-410E-83FB-0B46FEBAAF87}" type="datetimeFigureOut">
               <a:rPr lang="en-US" smtClean="0"/>
-              <a:t>8/19/2023</a:t>
+              <a:t>8/20/2023</a:t>
             </a:fld>
             <a:endParaRPr lang="en-US"/>
           </a:p>
@@ -454,7 +454,7 @@
           <a:p>
             <a:fld id="{09EB773D-11FC-410E-83FB-0B46FEBAAF87}" type="datetimeFigureOut">
               <a:rPr lang="en-US" smtClean="0"/>
-              <a:t>8/19/2023</a:t>
+              <a:t>8/20/2023</a:t>
             </a:fld>
             <a:endParaRPr lang="en-US"/>
           </a:p>
@@ -634,7 +634,7 @@
           <a:p>
             <a:fld id="{09EB773D-11FC-410E-83FB-0B46FEBAAF87}" type="datetimeFigureOut">
               <a:rPr lang="en-US" smtClean="0"/>
-              <a:t>8/19/2023</a:t>
+              <a:t>8/20/2023</a:t>
             </a:fld>
             <a:endParaRPr lang="en-US"/>
           </a:p>
@@ -804,7 +804,7 @@
           <a:p>
             <a:fld id="{09EB773D-11FC-410E-83FB-0B46FEBAAF87}" type="datetimeFigureOut">
               <a:rPr lang="en-US" smtClean="0"/>
-              <a:t>8/19/2023</a:t>
+              <a:t>8/20/2023</a:t>
             </a:fld>
             <a:endParaRPr lang="en-US"/>
           </a:p>
@@ -1072,7 +1072,7 @@
           <a:p>
             <a:fld id="{09EB773D-11FC-410E-83FB-0B46FEBAAF87}" type="datetimeFigureOut">
               <a:rPr lang="en-US" smtClean="0"/>
-              <a:t>8/19/2023</a:t>
+              <a:t>8/20/2023</a:t>
             </a:fld>
             <a:endParaRPr lang="en-US"/>
           </a:p>
@@ -1304,7 +1304,7 @@
           <a:p>
             <a:fld id="{09EB773D-11FC-410E-83FB-0B46FEBAAF87}" type="datetimeFigureOut">
               <a:rPr lang="en-US" smtClean="0"/>
-              <a:t>8/19/2023</a:t>
+              <a:t>8/20/2023</a:t>
             </a:fld>
             <a:endParaRPr lang="en-US"/>
           </a:p>
@@ -1663,7 +1663,7 @@
           <a:p>
             <a:fld id="{09EB773D-11FC-410E-83FB-0B46FEBAAF87}" type="datetimeFigureOut">
               <a:rPr lang="en-US" smtClean="0"/>
-              <a:t>8/19/2023</a:t>
+              <a:t>8/20/2023</a:t>
             </a:fld>
             <a:endParaRPr lang="en-US"/>
           </a:p>
@@ -1804,7 +1804,7 @@
           <a:p>
             <a:fld id="{09EB773D-11FC-410E-83FB-0B46FEBAAF87}" type="datetimeFigureOut">
               <a:rPr lang="en-US" smtClean="0"/>
-              <a:t>8/19/2023</a:t>
+              <a:t>8/20/2023</a:t>
             </a:fld>
             <a:endParaRPr lang="en-US"/>
           </a:p>
@@ -1899,7 +1899,7 @@
           <a:p>
             <a:fld id="{09EB773D-11FC-410E-83FB-0B46FEBAAF87}" type="datetimeFigureOut">
               <a:rPr lang="en-US" smtClean="0"/>
-              <a:t>8/19/2023</a:t>
+              <a:t>8/20/2023</a:t>
             </a:fld>
             <a:endParaRPr lang="en-US"/>
           </a:p>
@@ -2256,7 +2256,7 @@
           <a:p>
             <a:fld id="{09EB773D-11FC-410E-83FB-0B46FEBAAF87}" type="datetimeFigureOut">
               <a:rPr lang="en-US" smtClean="0"/>
-              <a:t>8/19/2023</a:t>
+              <a:t>8/20/2023</a:t>
             </a:fld>
             <a:endParaRPr lang="en-US"/>
           </a:p>
@@ -2613,7 +2613,7 @@
           <a:p>
             <a:fld id="{09EB773D-11FC-410E-83FB-0B46FEBAAF87}" type="datetimeFigureOut">
               <a:rPr lang="en-US" smtClean="0"/>
-              <a:t>8/19/2023</a:t>
+              <a:t>8/20/2023</a:t>
             </a:fld>
             <a:endParaRPr lang="en-US"/>
           </a:p>
@@ -2855,7 +2855,7 @@
           <a:p>
             <a:fld id="{09EB773D-11FC-410E-83FB-0B46FEBAAF87}" type="datetimeFigureOut">
               <a:rPr lang="en-US" smtClean="0"/>
-              <a:t>8/19/2023</a:t>
+              <a:t>8/20/2023</a:t>
             </a:fld>
             <a:endParaRPr lang="en-US"/>
           </a:p>
@@ -3890,13 +3890,22 @@
               <a:t>Limitations and future directions</a:t>
             </a:r>
             <a:r>
+              <a:rPr lang="en-US" sz="1400">
+                <a:effectLst/>
+                <a:latin typeface="Calibri" panose="020F0502020204030204" pitchFamily="34" charset="0"/>
+                <a:ea typeface="Calibri" panose="020F0502020204030204" pitchFamily="34" charset="0"/>
+                <a:cs typeface="Calibri" panose="020F0502020204030204" pitchFamily="34" charset="0"/>
+              </a:rPr>
+              <a:t>: As </a:t>
+            </a:r>
+            <a:r>
               <a:rPr lang="en-US" sz="1400" dirty="0">
                 <a:effectLst/>
                 <a:latin typeface="Calibri" panose="020F0502020204030204" pitchFamily="34" charset="0"/>
                 <a:ea typeface="Calibri" panose="020F0502020204030204" pitchFamily="34" charset="0"/>
                 <a:cs typeface="Calibri" panose="020F0502020204030204" pitchFamily="34" charset="0"/>
               </a:rPr>
-              <a:t>: Due to time constraint on weekdays, the algorithms were not fine tuned to an extent they can be. I have tried to explore 3 algorithms and compared the results. As a potential future enhancements, these models can be fine-tuned further by employing further feature engineering and hyper parameter optimization techniques. They can also be trained for longer EVALS and more Stratified Cross validation splits. Also, incorporating additional public/private data sources, exploring alternative algorithms, or refining the existing models will be a good idea.</a:t>
+              <a:t>a potential future enhancements, these models can be fine-tuned further by employing further feature engineering and hyper parameter optimization techniques. They can also be trained for longer EVALS and more Stratified Cross validation splits. Also, incorporating additional public/private data sources, exploring alternative algorithms, or refining the existing models will be a good idea.</a:t>
             </a:r>
           </a:p>
           <a:p>
